--- a/error404_project/Error404.pptx
+++ b/error404_project/Error404.pptx
@@ -202,7 +202,7 @@
           <a:p>
             <a:fld id="{6EF03A98-8D90-4DA0-AAA6-A7A4D781D60E}" type="datetimeFigureOut">
               <a:rPr lang="en-US" smtClean="0"/>
-              <a:t>12/12/2022</a:t>
+              <a:t>12/13/2022</a:t>
             </a:fld>
             <a:endParaRPr lang="en-US"/>
           </a:p>
@@ -685,7 +685,7 @@
           <a:p>
             <a:fld id="{C07085A2-B1B1-4F9C-A7E9-3888492F9A70}" type="datetimeFigureOut">
               <a:rPr lang="en-US" smtClean="0"/>
-              <a:t>12/12/2022</a:t>
+              <a:t>12/13/2022</a:t>
             </a:fld>
             <a:endParaRPr lang="en-US"/>
           </a:p>
@@ -855,7 +855,7 @@
           <a:p>
             <a:fld id="{C07085A2-B1B1-4F9C-A7E9-3888492F9A70}" type="datetimeFigureOut">
               <a:rPr lang="en-US" smtClean="0"/>
-              <a:t>12/12/2022</a:t>
+              <a:t>12/13/2022</a:t>
             </a:fld>
             <a:endParaRPr lang="en-US"/>
           </a:p>
@@ -1035,7 +1035,7 @@
           <a:p>
             <a:fld id="{C07085A2-B1B1-4F9C-A7E9-3888492F9A70}" type="datetimeFigureOut">
               <a:rPr lang="en-US" smtClean="0"/>
-              <a:t>12/12/2022</a:t>
+              <a:t>12/13/2022</a:t>
             </a:fld>
             <a:endParaRPr lang="en-US"/>
           </a:p>
@@ -1205,7 +1205,7 @@
           <a:p>
             <a:fld id="{C07085A2-B1B1-4F9C-A7E9-3888492F9A70}" type="datetimeFigureOut">
               <a:rPr lang="en-US" smtClean="0"/>
-              <a:t>12/12/2022</a:t>
+              <a:t>12/13/2022</a:t>
             </a:fld>
             <a:endParaRPr lang="en-US"/>
           </a:p>
@@ -1451,7 +1451,7 @@
           <a:p>
             <a:fld id="{C07085A2-B1B1-4F9C-A7E9-3888492F9A70}" type="datetimeFigureOut">
               <a:rPr lang="en-US" smtClean="0"/>
-              <a:t>12/12/2022</a:t>
+              <a:t>12/13/2022</a:t>
             </a:fld>
             <a:endParaRPr lang="en-US"/>
           </a:p>
@@ -1683,7 +1683,7 @@
           <a:p>
             <a:fld id="{C07085A2-B1B1-4F9C-A7E9-3888492F9A70}" type="datetimeFigureOut">
               <a:rPr lang="en-US" smtClean="0"/>
-              <a:t>12/12/2022</a:t>
+              <a:t>12/13/2022</a:t>
             </a:fld>
             <a:endParaRPr lang="en-US"/>
           </a:p>
@@ -2050,7 +2050,7 @@
           <a:p>
             <a:fld id="{C07085A2-B1B1-4F9C-A7E9-3888492F9A70}" type="datetimeFigureOut">
               <a:rPr lang="en-US" smtClean="0"/>
-              <a:t>12/12/2022</a:t>
+              <a:t>12/13/2022</a:t>
             </a:fld>
             <a:endParaRPr lang="en-US"/>
           </a:p>
@@ -2168,7 +2168,7 @@
           <a:p>
             <a:fld id="{C07085A2-B1B1-4F9C-A7E9-3888492F9A70}" type="datetimeFigureOut">
               <a:rPr lang="en-US" smtClean="0"/>
-              <a:t>12/12/2022</a:t>
+              <a:t>12/13/2022</a:t>
             </a:fld>
             <a:endParaRPr lang="en-US"/>
           </a:p>
@@ -2263,7 +2263,7 @@
           <a:p>
             <a:fld id="{C07085A2-B1B1-4F9C-A7E9-3888492F9A70}" type="datetimeFigureOut">
               <a:rPr lang="en-US" smtClean="0"/>
-              <a:t>12/12/2022</a:t>
+              <a:t>12/13/2022</a:t>
             </a:fld>
             <a:endParaRPr lang="en-US"/>
           </a:p>
@@ -2540,7 +2540,7 @@
           <a:p>
             <a:fld id="{C07085A2-B1B1-4F9C-A7E9-3888492F9A70}" type="datetimeFigureOut">
               <a:rPr lang="en-US" smtClean="0"/>
-              <a:t>12/12/2022</a:t>
+              <a:t>12/13/2022</a:t>
             </a:fld>
             <a:endParaRPr lang="en-US"/>
           </a:p>
@@ -2793,7 +2793,7 @@
           <a:p>
             <a:fld id="{C07085A2-B1B1-4F9C-A7E9-3888492F9A70}" type="datetimeFigureOut">
               <a:rPr lang="en-US" smtClean="0"/>
-              <a:t>12/12/2022</a:t>
+              <a:t>12/13/2022</a:t>
             </a:fld>
             <a:endParaRPr lang="en-US"/>
           </a:p>
@@ -3006,7 +3006,7 @@
           <a:p>
             <a:fld id="{C07085A2-B1B1-4F9C-A7E9-3888492F9A70}" type="datetimeFigureOut">
               <a:rPr lang="en-US" smtClean="0"/>
-              <a:t>12/12/2022</a:t>
+              <a:t>12/13/2022</a:t>
             </a:fld>
             <a:endParaRPr lang="en-US"/>
           </a:p>
@@ -3669,15 +3669,7 @@
           <a:p>
             <a:r>
               <a:rPr lang="en-US" dirty="0" smtClean="0"/>
-              <a:t> </a:t>
-            </a:r>
-            <a:r>
-              <a:rPr lang="en-US" dirty="0" smtClean="0"/>
-              <a:t>|</a:t>
-            </a:r>
-            <a:r>
-              <a:rPr lang="en-US" dirty="0" smtClean="0"/>
-              <a:t>Error404</a:t>
+              <a:t> |Error404</a:t>
             </a:r>
             <a:endParaRPr lang="en-US" dirty="0"/>
           </a:p>
@@ -3869,7 +3861,11 @@
           <a:p>
             <a:r>
               <a:rPr lang="en-US" dirty="0" smtClean="0"/>
-              <a:t>Backend Developer- </a:t>
+              <a:t>Frontend </a:t>
+            </a:r>
+            <a:r>
+              <a:rPr lang="en-US" dirty="0" smtClean="0"/>
+              <a:t>Developer- </a:t>
             </a:r>
             <a:r>
               <a:rPr lang="en-US" dirty="0" err="1" smtClean="0"/>
@@ -3879,7 +3875,6 @@
               <a:rPr lang="en-US" dirty="0" smtClean="0"/>
               <a:t> Ivanov</a:t>
             </a:r>
-            <a:endParaRPr lang="en-US" dirty="0" smtClean="0"/>
           </a:p>
         </p:txBody>
       </p:sp>
@@ -4028,7 +4023,11 @@
           <a:p>
             <a:r>
               <a:rPr lang="en-US" dirty="0" smtClean="0"/>
-              <a:t>Frontend Developer and Scrum Trainer – </a:t>
+              <a:t>Backend </a:t>
+            </a:r>
+            <a:r>
+              <a:rPr lang="en-US" dirty="0" smtClean="0"/>
+              <a:t>Developer and Scrum Trainer – </a:t>
             </a:r>
             <a:r>
               <a:rPr lang="en-US" dirty="0" err="1" smtClean="0"/>
@@ -4684,11 +4683,7 @@
             </a:r>
             <a:r>
               <a:rPr lang="en-US" sz="4800" dirty="0" smtClean="0"/>
-              <a:t>I </a:t>
-            </a:r>
-            <a:r>
-              <a:rPr lang="en-US" sz="4800" dirty="0" smtClean="0"/>
-              <a:t>O N</a:t>
+              <a:t>I O N</a:t>
             </a:r>
             <a:endParaRPr lang="en-US" sz="4800" dirty="0"/>
           </a:p>
@@ -4779,11 +4774,7 @@
             </a:r>
             <a:r>
               <a:rPr lang="en-US" sz="4800" dirty="0" smtClean="0"/>
-              <a:t>G A M E  </a:t>
-            </a:r>
-            <a:r>
-              <a:rPr lang="en-US" sz="4800" dirty="0" smtClean="0"/>
-              <a:t>C R E A T I O N </a:t>
+              <a:t>G A M E  C R E A T I O N </a:t>
             </a:r>
             <a:endParaRPr lang="en-US" sz="6000" dirty="0"/>
           </a:p>
